--- a/Presentasi_Program Deliverables_Secondment pada Abid PMK DJA.pptx
+++ b/Presentasi_Program Deliverables_Secondment pada Abid PMK DJA.pptx
@@ -1623,13 +1623,13 @@
   <p:clrMapOvr>
     <a:masterClrMapping/>
   </p:clrMapOvr>
-  <mc:AlternateContent xmlns:mc="http://schemas.openxmlformats.org/markup-compatibility/2006">
-    <mc:Choice xmlns:p159="http://schemas.microsoft.com/office/powerpoint/2015/09/main" Requires="p159">
+  <mc:AlternateContent xmlns:mc="http://schemas.openxmlformats.org/markup-compatibility/2006" xmlns:p159="http://schemas.microsoft.com/office/powerpoint/2015/09/main">
+    <mc:Choice Requires="p159">
       <p:transition xmlns:p14="http://schemas.microsoft.com/office/powerpoint/2010/main" spd="slow" p14:dur="2000">
         <p159:morph option="byObject"/>
       </p:transition>
     </mc:Choice>
-    <mc:Fallback>
+    <mc:Fallback xmlns="">
       <p:transition spd="slow">
         <p:fade/>
       </p:transition>
@@ -1666,13 +1666,13 @@
   <p:sldLayoutIdLst>
     <p:sldLayoutId id="2147483649" r:id="rId1"/>
   </p:sldLayoutIdLst>
-  <mc:AlternateContent xmlns:mc="http://schemas.openxmlformats.org/markup-compatibility/2006">
-    <mc:Choice xmlns:p159="http://schemas.microsoft.com/office/powerpoint/2015/09/main" Requires="p159">
+  <mc:AlternateContent xmlns:mc="http://schemas.openxmlformats.org/markup-compatibility/2006" xmlns:p159="http://schemas.microsoft.com/office/powerpoint/2015/09/main">
+    <mc:Choice Requires="p159">
       <p:transition xmlns:p14="http://schemas.microsoft.com/office/powerpoint/2010/main" spd="slow" p14:dur="2000">
         <p159:morph option="byObject"/>
       </p:transition>
     </mc:Choice>
-    <mc:Fallback>
+    <mc:Fallback xmlns="">
       <p:transition spd="slow">
         <p:fade/>
       </p:transition>
@@ -2719,13 +2719,13 @@
   <p:clrMapOvr>
     <a:masterClrMapping/>
   </p:clrMapOvr>
-  <mc:AlternateContent xmlns:mc="http://schemas.openxmlformats.org/markup-compatibility/2006">
-    <mc:Choice xmlns:p159="http://schemas.microsoft.com/office/powerpoint/2015/09/main" Requires="p159">
+  <mc:AlternateContent xmlns:mc="http://schemas.openxmlformats.org/markup-compatibility/2006" xmlns:p159="http://schemas.microsoft.com/office/powerpoint/2015/09/main">
+    <mc:Choice Requires="p159">
       <p:transition xmlns:p14="http://schemas.microsoft.com/office/powerpoint/2010/main" spd="slow" p14:dur="2000">
         <p159:morph option="byObject"/>
       </p:transition>
     </mc:Choice>
-    <mc:Fallback>
+    <mc:Fallback xmlns="">
       <p:transition spd="slow">
         <p:fade/>
       </p:transition>
@@ -3673,7 +3673,84 @@
                 <a:ea typeface="Arial" pitchFamily="34" charset="-122"/>
                 <a:cs typeface="Arial" pitchFamily="34" charset="-120"/>
               </a:rPr>
-              <a:t>Drill-down hierarki klasifikasi anggaran</a:t>
+              <a:t>Drill-down hierarki </a:t>
+            </a:r>
+            <a:r>
+              <a:rPr lang="en-US" sz="750" dirty="0" err="1">
+                <a:solidFill>
+                  <a:srgbClr val="FFFFFF"/>
+                </a:solidFill>
+                <a:latin typeface="Arial" pitchFamily="34" charset="0"/>
+                <a:ea typeface="Arial" pitchFamily="34" charset="-122"/>
+                <a:cs typeface="Arial" pitchFamily="34" charset="-120"/>
+              </a:rPr>
+              <a:t>klasifikasi</a:t>
+            </a:r>
+            <a:r>
+              <a:rPr lang="en-US" sz="750" dirty="0">
+                <a:solidFill>
+                  <a:srgbClr val="FFFFFF"/>
+                </a:solidFill>
+                <a:latin typeface="Arial" pitchFamily="34" charset="0"/>
+                <a:ea typeface="Arial" pitchFamily="34" charset="-122"/>
+                <a:cs typeface="Arial" pitchFamily="34" charset="-120"/>
+              </a:rPr>
+              <a:t> </a:t>
+            </a:r>
+            <a:r>
+              <a:rPr lang="en-US" sz="750" dirty="0" err="1">
+                <a:solidFill>
+                  <a:srgbClr val="FFFFFF"/>
+                </a:solidFill>
+                <a:latin typeface="Arial" pitchFamily="34" charset="0"/>
+                <a:ea typeface="Arial" pitchFamily="34" charset="-122"/>
+                <a:cs typeface="Arial" pitchFamily="34" charset="-120"/>
+              </a:rPr>
+              <a:t>anggaran</a:t>
+            </a:r>
+            <a:r>
+              <a:rPr lang="en-US" sz="750" dirty="0">
+                <a:solidFill>
+                  <a:srgbClr val="FFFFFF"/>
+                </a:solidFill>
+                <a:latin typeface="Arial" pitchFamily="34" charset="0"/>
+                <a:ea typeface="Arial" pitchFamily="34" charset="-122"/>
+                <a:cs typeface="Arial" pitchFamily="34" charset="-120"/>
+              </a:rPr>
+              <a:t> dan </a:t>
+            </a:r>
+            <a:r>
+              <a:rPr lang="en-US" sz="750" dirty="0" err="1">
+                <a:solidFill>
+                  <a:srgbClr val="FFFFFF"/>
+                </a:solidFill>
+                <a:latin typeface="Arial" pitchFamily="34" charset="0"/>
+                <a:ea typeface="Arial" pitchFamily="34" charset="-122"/>
+                <a:cs typeface="Arial" pitchFamily="34" charset="-120"/>
+              </a:rPr>
+              <a:t>jenis</a:t>
+            </a:r>
+            <a:r>
+              <a:rPr lang="en-US" sz="750" dirty="0">
+                <a:solidFill>
+                  <a:srgbClr val="FFFFFF"/>
+                </a:solidFill>
+                <a:latin typeface="Arial" pitchFamily="34" charset="0"/>
+                <a:ea typeface="Arial" pitchFamily="34" charset="-122"/>
+                <a:cs typeface="Arial" pitchFamily="34" charset="-120"/>
+              </a:rPr>
+              <a:t> </a:t>
+            </a:r>
+            <a:r>
+              <a:rPr lang="en-US" sz="750" dirty="0" err="1">
+                <a:solidFill>
+                  <a:srgbClr val="FFFFFF"/>
+                </a:solidFill>
+                <a:latin typeface="Arial" pitchFamily="34" charset="0"/>
+                <a:ea typeface="Arial" pitchFamily="34" charset="-122"/>
+                <a:cs typeface="Arial" pitchFamily="34" charset="-120"/>
+              </a:rPr>
+              <a:t>belanja</a:t>
             </a:r>
             <a:endParaRPr lang="en-US" sz="750" dirty="0"/>
           </a:p>
@@ -3802,7 +3879,18 @@
                 <a:ea typeface="Arial" pitchFamily="34" charset="-122"/>
                 <a:cs typeface="Arial" pitchFamily="34" charset="-120"/>
               </a:rPr>
-              <a:t>7 Level Hierarki</a:t>
+              <a:t>7 Level &amp; 6 Level </a:t>
+            </a:r>
+            <a:r>
+              <a:rPr lang="en-US" sz="750" dirty="0" err="1">
+                <a:solidFill>
+                  <a:srgbClr val="FFFFFF"/>
+                </a:solidFill>
+                <a:latin typeface="Arial" pitchFamily="34" charset="0"/>
+                <a:ea typeface="Arial" pitchFamily="34" charset="-122"/>
+                <a:cs typeface="Arial" pitchFamily="34" charset="-120"/>
+              </a:rPr>
+              <a:t>Hierarki</a:t>
             </a:r>
             <a:endParaRPr lang="en-US" sz="750" dirty="0"/>
           </a:p>
@@ -4116,7 +4204,7 @@
         </p:blipFill>
         <p:spPr>
           <a:xfrm>
-            <a:off x="1685085" y="3734896"/>
+            <a:off x="58245" y="3821870"/>
             <a:ext cx="2520000" cy="1192994"/>
           </a:xfrm>
           <a:prstGeom prst="rect">
@@ -4186,7 +4274,7 @@
         </p:blipFill>
         <p:spPr>
           <a:xfrm>
-            <a:off x="4938766" y="3734896"/>
+            <a:off x="3324990" y="3821870"/>
             <a:ext cx="2520000" cy="1192994"/>
           </a:xfrm>
           <a:prstGeom prst="rect">
@@ -4260,51 +4348,6 @@
           <a:ln>
             <a:solidFill>
               <a:srgbClr val="1E3A5F"/>
-            </a:solidFill>
-            <a:tailEnd type="triangle"/>
-          </a:ln>
-        </p:spPr>
-        <p:style>
-          <a:lnRef idx="1">
-            <a:schemeClr val="accent1"/>
-          </a:lnRef>
-          <a:fillRef idx="0">
-            <a:schemeClr val="accent1"/>
-          </a:fillRef>
-          <a:effectRef idx="0">
-            <a:schemeClr val="accent1"/>
-          </a:effectRef>
-          <a:fontRef idx="minor">
-            <a:schemeClr val="tx1"/>
-          </a:fontRef>
-        </p:style>
-      </p:cxnSp>
-      <p:cxnSp>
-        <p:nvCxnSpPr>
-          <p:cNvPr id="41" name="Straight Arrow Connector 40">
-            <a:extLst>
-              <a:ext uri="{FF2B5EF4-FFF2-40B4-BE49-F238E27FC236}">
-                <a16:creationId xmlns:a16="http://schemas.microsoft.com/office/drawing/2014/main" id="{ED5EFBAB-10C9-F2E7-75DB-D0CDE2F7C233}"/>
-              </a:ext>
-            </a:extLst>
-          </p:cNvPr>
-          <p:cNvCxnSpPr>
-            <a:stCxn id="9" idx="2"/>
-            <a:endCxn id="34" idx="0"/>
-          </p:cNvCxnSpPr>
-          <p:nvPr/>
-        </p:nvCxnSpPr>
-        <p:spPr>
-          <a:xfrm>
-            <a:off x="2945085" y="3563243"/>
-            <a:ext cx="0" cy="171653"/>
-          </a:xfrm>
-          <a:prstGeom prst="straightConnector1">
-            <a:avLst/>
-          </a:prstGeom>
-          <a:ln>
-            <a:solidFill>
-              <a:srgbClr val="2C7A7B"/>
             </a:solidFill>
             <a:tailEnd type="triangle"/>
           </a:ln>
@@ -4371,30 +4414,111 @@
       </p:cxnSp>
       <p:cxnSp>
         <p:nvCxnSpPr>
-          <p:cNvPr id="45" name="Straight Arrow Connector 44">
+          <p:cNvPr id="47" name="Straight Arrow Connector 46">
             <a:extLst>
               <a:ext uri="{FF2B5EF4-FFF2-40B4-BE49-F238E27FC236}">
-                <a16:creationId xmlns:a16="http://schemas.microsoft.com/office/drawing/2014/main" id="{55C7091A-3D24-5E41-ACD9-FA35CF59F605}"/>
+                <a16:creationId xmlns:a16="http://schemas.microsoft.com/office/drawing/2014/main" id="{6E8DF4A3-E6AB-1047-7C13-B9A0B31536B8}"/>
               </a:ext>
             </a:extLst>
           </p:cNvPr>
           <p:cNvCxnSpPr>
-            <a:stCxn id="21" idx="2"/>
-            <a:endCxn id="36" idx="0"/>
+            <a:stCxn id="27" idx="0"/>
+            <a:endCxn id="37" idx="2"/>
           </p:cNvCxnSpPr>
           <p:nvPr/>
         </p:nvCxnSpPr>
         <p:spPr>
-          <a:xfrm>
-            <a:off x="6198766" y="3563243"/>
-            <a:ext cx="0" cy="171653"/>
+          <a:xfrm flipH="1" flipV="1">
+            <a:off x="7825605" y="2012080"/>
+            <a:ext cx="1" cy="177777"/>
           </a:xfrm>
           <a:prstGeom prst="straightConnector1">
+            <a:avLst/>
+          </a:prstGeom>
+          <a:ln>
+            <a:solidFill>
+              <a:srgbClr val="276749"/>
+            </a:solidFill>
+            <a:tailEnd type="triangle"/>
+          </a:ln>
+        </p:spPr>
+        <p:style>
+          <a:lnRef idx="1">
+            <a:schemeClr val="accent1"/>
+          </a:lnRef>
+          <a:fillRef idx="0">
+            <a:schemeClr val="accent1"/>
+          </a:fillRef>
+          <a:effectRef idx="0">
+            <a:schemeClr val="accent1"/>
+          </a:effectRef>
+          <a:fontRef idx="minor">
+            <a:schemeClr val="tx1"/>
+          </a:fontRef>
+        </p:style>
+      </p:cxnSp>
+      <p:pic>
+        <p:nvPicPr>
+          <p:cNvPr id="40" name="Picture 39">
+            <a:extLst>
+              <a:ext uri="{FF2B5EF4-FFF2-40B4-BE49-F238E27FC236}">
+                <a16:creationId xmlns:a16="http://schemas.microsoft.com/office/drawing/2014/main" id="{17FF96ED-5A97-A31C-42EA-C7553DEC17E3}"/>
+              </a:ext>
+            </a:extLst>
+          </p:cNvPr>
+          <p:cNvPicPr>
+            <a:picLocks noChangeAspect="1"/>
+          </p:cNvPicPr>
+          <p:nvPr/>
+        </p:nvPicPr>
+        <p:blipFill>
+          <a:blip r:embed="rId8"/>
+          <a:stretch>
+            <a:fillRect/>
+          </a:stretch>
+        </p:blipFill>
+        <p:spPr>
+          <a:xfrm>
+            <a:off x="6565605" y="3821870"/>
+            <a:ext cx="2327115" cy="1190900"/>
+          </a:xfrm>
+          <a:prstGeom prst="rect">
             <a:avLst/>
           </a:prstGeom>
           <a:ln>
             <a:solidFill>
               <a:srgbClr val="C05621"/>
+            </a:solidFill>
+          </a:ln>
+        </p:spPr>
+      </p:pic>
+      <p:cxnSp>
+        <p:nvCxnSpPr>
+          <p:cNvPr id="46" name="Connector: Elbow 45">
+            <a:extLst>
+              <a:ext uri="{FF2B5EF4-FFF2-40B4-BE49-F238E27FC236}">
+                <a16:creationId xmlns:a16="http://schemas.microsoft.com/office/drawing/2014/main" id="{471B38DB-9F81-4019-D192-D46F260AE30D}"/>
+              </a:ext>
+            </a:extLst>
+          </p:cNvPr>
+          <p:cNvCxnSpPr>
+            <a:cxnSpLocks/>
+            <a:stCxn id="9" idx="2"/>
+            <a:endCxn id="34" idx="0"/>
+          </p:cNvCxnSpPr>
+          <p:nvPr/>
+        </p:nvCxnSpPr>
+        <p:spPr>
+          <a:xfrm rot="5400000">
+            <a:off x="2002352" y="2879136"/>
+            <a:ext cx="258627" cy="1626840"/>
+          </a:xfrm>
+          <a:prstGeom prst="bentConnector3">
+            <a:avLst/>
+          </a:prstGeom>
+          <a:ln>
+            <a:solidFill>
+              <a:srgbClr val="2C7A7B"/>
             </a:solidFill>
             <a:tailEnd type="triangle"/>
           </a:ln>
@@ -4416,30 +4540,81 @@
       </p:cxnSp>
       <p:cxnSp>
         <p:nvCxnSpPr>
-          <p:cNvPr id="47" name="Straight Arrow Connector 46">
+          <p:cNvPr id="50" name="Connector: Elbow 49">
             <a:extLst>
               <a:ext uri="{FF2B5EF4-FFF2-40B4-BE49-F238E27FC236}">
-                <a16:creationId xmlns:a16="http://schemas.microsoft.com/office/drawing/2014/main" id="{6E8DF4A3-E6AB-1047-7C13-B9A0B31536B8}"/>
+                <a16:creationId xmlns:a16="http://schemas.microsoft.com/office/drawing/2014/main" id="{9430DA4E-4D1E-7452-FBE5-031A83E9221F}"/>
               </a:ext>
             </a:extLst>
           </p:cNvPr>
           <p:cNvCxnSpPr>
-            <a:stCxn id="27" idx="0"/>
-            <a:endCxn id="37" idx="2"/>
+            <a:cxnSpLocks/>
+            <a:stCxn id="21" idx="2"/>
+            <a:endCxn id="36" idx="0"/>
           </p:cNvCxnSpPr>
           <p:nvPr/>
         </p:nvCxnSpPr>
         <p:spPr>
-          <a:xfrm flipH="1" flipV="1">
-            <a:off x="7825605" y="2012080"/>
-            <a:ext cx="1" cy="177777"/>
-          </a:xfrm>
-          <a:prstGeom prst="straightConnector1">
-            <a:avLst/>
+          <a:xfrm rot="5400000">
+            <a:off x="5262565" y="2885668"/>
+            <a:ext cx="258627" cy="1613776"/>
+          </a:xfrm>
+          <a:prstGeom prst="bentConnector3">
+            <a:avLst>
+              <a:gd name="adj1" fmla="val 50000"/>
+            </a:avLst>
           </a:prstGeom>
           <a:ln>
             <a:solidFill>
-              <a:srgbClr val="276749"/>
+              <a:srgbClr val="C05621"/>
+            </a:solidFill>
+            <a:tailEnd type="triangle"/>
+          </a:ln>
+        </p:spPr>
+        <p:style>
+          <a:lnRef idx="1">
+            <a:schemeClr val="accent1"/>
+          </a:lnRef>
+          <a:fillRef idx="0">
+            <a:schemeClr val="accent1"/>
+          </a:fillRef>
+          <a:effectRef idx="0">
+            <a:schemeClr val="accent1"/>
+          </a:effectRef>
+          <a:fontRef idx="minor">
+            <a:schemeClr val="tx1"/>
+          </a:fontRef>
+        </p:style>
+      </p:cxnSp>
+      <p:cxnSp>
+        <p:nvCxnSpPr>
+          <p:cNvPr id="53" name="Connector: Elbow 52">
+            <a:extLst>
+              <a:ext uri="{FF2B5EF4-FFF2-40B4-BE49-F238E27FC236}">
+                <a16:creationId xmlns:a16="http://schemas.microsoft.com/office/drawing/2014/main" id="{280B4226-A7A0-2D50-796C-95DD1625DCDA}"/>
+              </a:ext>
+            </a:extLst>
+          </p:cNvPr>
+          <p:cNvCxnSpPr>
+            <a:cxnSpLocks/>
+            <a:stCxn id="21" idx="2"/>
+            <a:endCxn id="40" idx="0"/>
+          </p:cNvCxnSpPr>
+          <p:nvPr/>
+        </p:nvCxnSpPr>
+        <p:spPr>
+          <a:xfrm rot="16200000" flipH="1">
+            <a:off x="6834651" y="2927357"/>
+            <a:ext cx="258627" cy="1530397"/>
+          </a:xfrm>
+          <a:prstGeom prst="bentConnector3">
+            <a:avLst>
+              <a:gd name="adj1" fmla="val 50000"/>
+            </a:avLst>
+          </a:prstGeom>
+          <a:ln>
+            <a:solidFill>
+              <a:srgbClr val="C05621"/>
             </a:solidFill>
             <a:tailEnd type="triangle"/>
           </a:ln>
@@ -4464,13 +4639,13 @@
   <p:clrMapOvr>
     <a:masterClrMapping/>
   </p:clrMapOvr>
-  <mc:AlternateContent xmlns:mc="http://schemas.openxmlformats.org/markup-compatibility/2006">
-    <mc:Choice xmlns:p159="http://schemas.microsoft.com/office/powerpoint/2015/09/main" Requires="p159">
+  <mc:AlternateContent xmlns:mc="http://schemas.openxmlformats.org/markup-compatibility/2006" xmlns:p159="http://schemas.microsoft.com/office/powerpoint/2015/09/main">
+    <mc:Choice Requires="p159">
       <p:transition xmlns:p14="http://schemas.microsoft.com/office/powerpoint/2010/main" spd="slow" p14:dur="2000">
         <p159:morph option="byObject"/>
       </p:transition>
     </mc:Choice>
-    <mc:Fallback>
+    <mc:Fallback xmlns="">
       <p:transition spd="slow">
         <p:fade/>
       </p:transition>
@@ -5819,13 +5994,13 @@
   <p:clrMapOvr>
     <a:masterClrMapping/>
   </p:clrMapOvr>
-  <mc:AlternateContent xmlns:mc="http://schemas.openxmlformats.org/markup-compatibility/2006">
-    <mc:Choice xmlns:p159="http://schemas.microsoft.com/office/powerpoint/2015/09/main" Requires="p159">
+  <mc:AlternateContent xmlns:mc="http://schemas.openxmlformats.org/markup-compatibility/2006" xmlns:p159="http://schemas.microsoft.com/office/powerpoint/2015/09/main">
+    <mc:Choice Requires="p159">
       <p:transition xmlns:p14="http://schemas.microsoft.com/office/powerpoint/2010/main" spd="slow" p14:dur="2000">
         <p159:morph option="byObject"/>
       </p:transition>
     </mc:Choice>
-    <mc:Fallback>
+    <mc:Fallback xmlns="">
       <p:transition spd="slow">
         <p:fade/>
       </p:transition>
@@ -5953,13 +6128,13 @@
   <p:clrMapOvr>
     <a:masterClrMapping/>
   </p:clrMapOvr>
-  <mc:AlternateContent xmlns:mc="http://schemas.openxmlformats.org/markup-compatibility/2006">
-    <mc:Choice xmlns:p159="http://schemas.microsoft.com/office/powerpoint/2015/09/main" Requires="p159">
+  <mc:AlternateContent xmlns:mc="http://schemas.openxmlformats.org/markup-compatibility/2006" xmlns:p159="http://schemas.microsoft.com/office/powerpoint/2015/09/main">
+    <mc:Choice Requires="p159">
       <p:transition xmlns:p14="http://schemas.microsoft.com/office/powerpoint/2010/main" spd="slow" p14:dur="2000">
         <p159:morph option="byObject"/>
       </p:transition>
     </mc:Choice>
-    <mc:Fallback>
+    <mc:Fallback xmlns="">
       <p:transition spd="slow">
         <p:fade/>
       </p:transition>
@@ -7778,13 +7953,13 @@
   <p:clrMapOvr>
     <a:masterClrMapping/>
   </p:clrMapOvr>
-  <mc:AlternateContent xmlns:mc="http://schemas.openxmlformats.org/markup-compatibility/2006">
-    <mc:Choice xmlns:p159="http://schemas.microsoft.com/office/powerpoint/2015/09/main" Requires="p159">
+  <mc:AlternateContent xmlns:mc="http://schemas.openxmlformats.org/markup-compatibility/2006" xmlns:p159="http://schemas.microsoft.com/office/powerpoint/2015/09/main">
+    <mc:Choice Requires="p159">
       <p:transition xmlns:p14="http://schemas.microsoft.com/office/powerpoint/2010/main" spd="slow" p14:dur="2000">
         <p159:morph option="byObject"/>
       </p:transition>
     </mc:Choice>
-    <mc:Fallback>
+    <mc:Fallback xmlns="">
       <p:transition spd="slow">
         <p:fade/>
       </p:transition>
@@ -8460,13 +8635,13 @@
   <p:clrMapOvr>
     <a:masterClrMapping/>
   </p:clrMapOvr>
-  <mc:AlternateContent xmlns:mc="http://schemas.openxmlformats.org/markup-compatibility/2006">
-    <mc:Choice xmlns:p159="http://schemas.microsoft.com/office/powerpoint/2015/09/main" Requires="p159">
+  <mc:AlternateContent xmlns:mc="http://schemas.openxmlformats.org/markup-compatibility/2006" xmlns:p159="http://schemas.microsoft.com/office/powerpoint/2015/09/main">
+    <mc:Choice Requires="p159">
       <p:transition xmlns:p14="http://schemas.microsoft.com/office/powerpoint/2010/main" spd="slow" p14:dur="2000">
         <p159:morph option="byObject"/>
       </p:transition>
     </mc:Choice>
-    <mc:Fallback>
+    <mc:Fallback xmlns="">
       <p:transition spd="slow">
         <p:fade/>
       </p:transition>
@@ -9281,13 +9456,13 @@
   <p:clrMapOvr>
     <a:masterClrMapping/>
   </p:clrMapOvr>
-  <mc:AlternateContent xmlns:mc="http://schemas.openxmlformats.org/markup-compatibility/2006">
-    <mc:Choice xmlns:p159="http://schemas.microsoft.com/office/powerpoint/2015/09/main" Requires="p159">
+  <mc:AlternateContent xmlns:mc="http://schemas.openxmlformats.org/markup-compatibility/2006" xmlns:p159="http://schemas.microsoft.com/office/powerpoint/2015/09/main">
+    <mc:Choice Requires="p159">
       <p:transition xmlns:p14="http://schemas.microsoft.com/office/powerpoint/2010/main" spd="slow" p14:dur="2000">
         <p159:morph option="byObject"/>
       </p:transition>
     </mc:Choice>
-    <mc:Fallback>
+    <mc:Fallback xmlns="">
       <p:transition spd="slow">
         <p:fade/>
       </p:transition>
@@ -9682,13 +9857,13 @@
   <p:clrMapOvr>
     <a:masterClrMapping/>
   </p:clrMapOvr>
-  <mc:AlternateContent xmlns:mc="http://schemas.openxmlformats.org/markup-compatibility/2006">
-    <mc:Choice xmlns:p159="http://schemas.microsoft.com/office/powerpoint/2015/09/main" Requires="p159">
+  <mc:AlternateContent xmlns:mc="http://schemas.openxmlformats.org/markup-compatibility/2006" xmlns:p159="http://schemas.microsoft.com/office/powerpoint/2015/09/main">
+    <mc:Choice Requires="p159">
       <p:transition xmlns:p14="http://schemas.microsoft.com/office/powerpoint/2010/main" spd="slow" p14:dur="2000">
         <p159:morph option="byObject"/>
       </p:transition>
     </mc:Choice>
-    <mc:Fallback>
+    <mc:Fallback xmlns="">
       <p:transition spd="slow">
         <p:fade/>
       </p:transition>
@@ -9816,13 +9991,13 @@
   <p:clrMapOvr>
     <a:masterClrMapping/>
   </p:clrMapOvr>
-  <mc:AlternateContent xmlns:mc="http://schemas.openxmlformats.org/markup-compatibility/2006">
-    <mc:Choice xmlns:p159="http://schemas.microsoft.com/office/powerpoint/2015/09/main" Requires="p159">
+  <mc:AlternateContent xmlns:mc="http://schemas.openxmlformats.org/markup-compatibility/2006" xmlns:p159="http://schemas.microsoft.com/office/powerpoint/2015/09/main">
+    <mc:Choice Requires="p159">
       <p:transition xmlns:p14="http://schemas.microsoft.com/office/powerpoint/2010/main" spd="slow" p14:dur="2000">
         <p159:morph option="byObject"/>
       </p:transition>
     </mc:Choice>
-    <mc:Fallback>
+    <mc:Fallback xmlns="">
       <p:transition spd="slow">
         <p:fade/>
       </p:transition>
@@ -11621,13 +11796,13 @@
   <p:clrMapOvr>
     <a:masterClrMapping/>
   </p:clrMapOvr>
-  <mc:AlternateContent xmlns:mc="http://schemas.openxmlformats.org/markup-compatibility/2006">
-    <mc:Choice xmlns:p159="http://schemas.microsoft.com/office/powerpoint/2015/09/main" Requires="p159">
+  <mc:AlternateContent xmlns:mc="http://schemas.openxmlformats.org/markup-compatibility/2006" xmlns:p159="http://schemas.microsoft.com/office/powerpoint/2015/09/main">
+    <mc:Choice Requires="p159">
       <p:transition xmlns:p14="http://schemas.microsoft.com/office/powerpoint/2010/main" spd="slow" p14:dur="2000">
         <p159:morph option="byObject"/>
       </p:transition>
     </mc:Choice>
-    <mc:Fallback>
+    <mc:Fallback xmlns="">
       <p:transition spd="slow">
         <p:fade/>
       </p:transition>
@@ -15223,13 +15398,13 @@
   <p:clrMapOvr>
     <a:masterClrMapping/>
   </p:clrMapOvr>
-  <mc:AlternateContent xmlns:mc="http://schemas.openxmlformats.org/markup-compatibility/2006">
-    <mc:Choice xmlns:p159="http://schemas.microsoft.com/office/powerpoint/2015/09/main" Requires="p159">
+  <mc:AlternateContent xmlns:mc="http://schemas.openxmlformats.org/markup-compatibility/2006" xmlns:p159="http://schemas.microsoft.com/office/powerpoint/2015/09/main">
+    <mc:Choice Requires="p159">
       <p:transition xmlns:p14="http://schemas.microsoft.com/office/powerpoint/2010/main" spd="slow" p14:dur="2000">
         <p159:morph option="byObject"/>
       </p:transition>
     </mc:Choice>
-    <mc:Fallback>
+    <mc:Fallback xmlns="">
       <p:transition spd="slow">
         <p:fade/>
       </p:transition>
@@ -15357,13 +15532,13 @@
   <p:clrMapOvr>
     <a:masterClrMapping/>
   </p:clrMapOvr>
-  <mc:AlternateContent xmlns:mc="http://schemas.openxmlformats.org/markup-compatibility/2006">
-    <mc:Choice xmlns:p159="http://schemas.microsoft.com/office/powerpoint/2015/09/main" Requires="p159">
+  <mc:AlternateContent xmlns:mc="http://schemas.openxmlformats.org/markup-compatibility/2006" xmlns:p159="http://schemas.microsoft.com/office/powerpoint/2015/09/main">
+    <mc:Choice Requires="p159">
       <p:transition xmlns:p14="http://schemas.microsoft.com/office/powerpoint/2010/main" spd="slow" p14:dur="2000">
         <p159:morph option="byObject"/>
       </p:transition>
     </mc:Choice>
-    <mc:Fallback>
+    <mc:Fallback xmlns="">
       <p:transition spd="slow">
         <p:fade/>
       </p:transition>
@@ -16324,13 +16499,13 @@
   <p:clrMapOvr>
     <a:masterClrMapping/>
   </p:clrMapOvr>
-  <mc:AlternateContent xmlns:mc="http://schemas.openxmlformats.org/markup-compatibility/2006">
-    <mc:Choice xmlns:p159="http://schemas.microsoft.com/office/powerpoint/2015/09/main" Requires="p159">
+  <mc:AlternateContent xmlns:mc="http://schemas.openxmlformats.org/markup-compatibility/2006" xmlns:p159="http://schemas.microsoft.com/office/powerpoint/2015/09/main">
+    <mc:Choice Requires="p159">
       <p:transition xmlns:p14="http://schemas.microsoft.com/office/powerpoint/2010/main" spd="slow" p14:dur="2000">
         <p159:morph option="byObject"/>
       </p:transition>
     </mc:Choice>
-    <mc:Fallback>
+    <mc:Fallback xmlns="">
       <p:transition spd="slow">
         <p:fade/>
       </p:transition>
@@ -17046,13 +17221,13 @@
   <p:clrMapOvr>
     <a:masterClrMapping/>
   </p:clrMapOvr>
-  <mc:AlternateContent xmlns:mc="http://schemas.openxmlformats.org/markup-compatibility/2006">
-    <mc:Choice xmlns:p159="http://schemas.microsoft.com/office/powerpoint/2015/09/main" Requires="p159">
+  <mc:AlternateContent xmlns:mc="http://schemas.openxmlformats.org/markup-compatibility/2006" xmlns:p159="http://schemas.microsoft.com/office/powerpoint/2015/09/main">
+    <mc:Choice Requires="p159">
       <p:transition xmlns:p14="http://schemas.microsoft.com/office/powerpoint/2010/main" spd="slow" p14:dur="2000">
         <p159:morph option="byObject"/>
       </p:transition>
     </mc:Choice>
-    <mc:Fallback>
+    <mc:Fallback xmlns="">
       <p:transition spd="slow">
         <p:fade/>
       </p:transition>
@@ -17180,13 +17355,13 @@
   <p:clrMapOvr>
     <a:masterClrMapping/>
   </p:clrMapOvr>
-  <mc:AlternateContent xmlns:mc="http://schemas.openxmlformats.org/markup-compatibility/2006">
-    <mc:Choice xmlns:p159="http://schemas.microsoft.com/office/powerpoint/2015/09/main" Requires="p159">
+  <mc:AlternateContent xmlns:mc="http://schemas.openxmlformats.org/markup-compatibility/2006" xmlns:p159="http://schemas.microsoft.com/office/powerpoint/2015/09/main">
+    <mc:Choice Requires="p159">
       <p:transition xmlns:p14="http://schemas.microsoft.com/office/powerpoint/2010/main" spd="slow" p14:dur="2000">
         <p159:morph option="byObject"/>
       </p:transition>
     </mc:Choice>
-    <mc:Fallback>
+    <mc:Fallback xmlns="">
       <p:transition spd="slow">
         <p:fade/>
       </p:transition>
@@ -18196,7 +18371,7 @@
         </p:nvSpPr>
         <p:spPr>
           <a:xfrm>
-            <a:off x="5590084" y="3133576"/>
+            <a:off x="5590084" y="3060278"/>
             <a:ext cx="2759202" cy="146596"/>
           </a:xfrm>
           <a:prstGeom prst="rect">
@@ -18224,7 +18399,59 @@
                 <a:ea typeface="Arial" pitchFamily="34" charset="-122"/>
                 <a:cs typeface="Arial" pitchFamily="34" charset="-120"/>
               </a:rPr>
-              <a:t>Click-to-Drill 7 Level</a:t>
+              <a:t>Click-to-Drill 7 Level </a:t>
+            </a:r>
+            <a:r>
+              <a:rPr lang="en-US" sz="825" dirty="0" err="1">
+                <a:solidFill>
+                  <a:srgbClr val="4A5568"/>
+                </a:solidFill>
+                <a:latin typeface="Arial" pitchFamily="34" charset="0"/>
+                <a:ea typeface="Arial" pitchFamily="34" charset="-122"/>
+                <a:cs typeface="Arial" pitchFamily="34" charset="-120"/>
+              </a:rPr>
+              <a:t>Anggaran</a:t>
+            </a:r>
+            <a:r>
+              <a:rPr lang="en-US" sz="825" dirty="0">
+                <a:solidFill>
+                  <a:srgbClr val="4A5568"/>
+                </a:solidFill>
+                <a:latin typeface="Arial" pitchFamily="34" charset="0"/>
+                <a:ea typeface="Arial" pitchFamily="34" charset="-122"/>
+                <a:cs typeface="Arial" pitchFamily="34" charset="-120"/>
+              </a:rPr>
+              <a:t> </a:t>
+            </a:r>
+          </a:p>
+          <a:p>
+            <a:pPr marL="0" indent="0" algn="l">
+              <a:lnSpc>
+                <a:spcPts val="1155"/>
+              </a:lnSpc>
+              <a:buNone/>
+            </a:pPr>
+            <a:r>
+              <a:rPr lang="en-US" sz="825" dirty="0">
+                <a:solidFill>
+                  <a:srgbClr val="4A5568"/>
+                </a:solidFill>
+                <a:latin typeface="Arial" pitchFamily="34" charset="0"/>
+                <a:ea typeface="Arial" pitchFamily="34" charset="-122"/>
+                <a:cs typeface="Arial" pitchFamily="34" charset="-120"/>
+              </a:rPr>
+              <a:t>&amp; 6 Level Jenis </a:t>
+            </a:r>
+            <a:r>
+              <a:rPr lang="en-US" sz="825" dirty="0" err="1">
+                <a:solidFill>
+                  <a:srgbClr val="4A5568"/>
+                </a:solidFill>
+                <a:latin typeface="Arial" pitchFamily="34" charset="0"/>
+                <a:ea typeface="Arial" pitchFamily="34" charset="-122"/>
+                <a:cs typeface="Arial" pitchFamily="34" charset="-120"/>
+              </a:rPr>
+              <a:t>Belanja</a:t>
             </a:r>
             <a:endParaRPr lang="en-US" sz="825" dirty="0"/>
           </a:p>
@@ -18433,13 +18660,13 @@
   <p:clrMapOvr>
     <a:masterClrMapping/>
   </p:clrMapOvr>
-  <mc:AlternateContent xmlns:mc="http://schemas.openxmlformats.org/markup-compatibility/2006">
-    <mc:Choice xmlns:p159="http://schemas.microsoft.com/office/powerpoint/2015/09/main" Requires="p159">
+  <mc:AlternateContent xmlns:mc="http://schemas.openxmlformats.org/markup-compatibility/2006" xmlns:p159="http://schemas.microsoft.com/office/powerpoint/2015/09/main">
+    <mc:Choice Requires="p159">
       <p:transition xmlns:p14="http://schemas.microsoft.com/office/powerpoint/2010/main" spd="slow" p14:dur="2000">
         <p159:morph option="byObject"/>
       </p:transition>
     </mc:Choice>
-    <mc:Fallback>
+    <mc:Fallback xmlns="">
       <p:transition spd="slow">
         <p:fade/>
       </p:transition>
